--- a/Folien - Trainerleitfaden/Einheit 13 JS Trainerfolien.pptx
+++ b/Folien - Trainerleitfaden/Einheit 13 JS Trainerfolien.pptx
@@ -258,7 +258,7 @@
               <a:rPr lang="de-AT" smtClean="0">
                 <a:latin typeface="Arial" panose="020B0604020202020204" pitchFamily="34" charset="0"/>
               </a:rPr>
-              <a:t>15.01.2021</a:t>
+              <a:t>18.05.2021</a:t>
             </a:fld>
             <a:endParaRPr lang="de-AT" dirty="0">
               <a:latin typeface="Arial" panose="020B0604020202020204" pitchFamily="34" charset="0"/>
@@ -945,18 +945,18 @@
           </a:bodyPr>
           <a:lstStyle>
             <a:lvl1pPr marL="228594" indent="-228594">
-              <a:buFont typeface="Font Awesome 5 Free Solid" panose="02000503000000000000" pitchFamily="50" charset="2"/>
-              <a:buChar char=""/>
+              <a:buFont typeface="Arial" panose="020B0604020202020204" pitchFamily="34" charset="0"/>
+              <a:buChar char="•"/>
               <a:defRPr/>
             </a:lvl1pPr>
             <a:lvl2pPr marL="685783" indent="-228594">
-              <a:buFont typeface="Font Awesome 5 Free Solid" panose="02000503000000000000" pitchFamily="50" charset="2"/>
-              <a:buChar char=""/>
+              <a:buFont typeface="Courier New" panose="02070309020205020404" pitchFamily="49" charset="0"/>
+              <a:buChar char="o"/>
               <a:defRPr/>
             </a:lvl2pPr>
             <a:lvl3pPr marL="1142971" indent="-228594">
-              <a:buFont typeface="Font Awesome 5 Free Solid" panose="02000503000000000000" pitchFamily="50" charset="2"/>
-              <a:buChar char=""/>
+              <a:buFont typeface="Wingdings" panose="05000000000000000000" pitchFamily="2" charset="2"/>
+              <a:buChar char="§"/>
               <a:defRPr/>
             </a:lvl3pPr>
           </a:lstStyle>
